--- a/paper_pic.pptx
+++ b/paper_pic.pptx
@@ -6,6 +6,20 @@
   </p:sldMasterIdLst>
   <p:sldIdLst>
     <p:sldId id="256" r:id="rId3"/>
+    <p:sldId id="257" r:id="rId4"/>
+    <p:sldId id="270" r:id="rId5"/>
+    <p:sldId id="258" r:id="rId6"/>
+    <p:sldId id="259" r:id="rId7"/>
+    <p:sldId id="260" r:id="rId8"/>
+    <p:sldId id="261" r:id="rId9"/>
+    <p:sldId id="263" r:id="rId10"/>
+    <p:sldId id="262" r:id="rId11"/>
+    <p:sldId id="264" r:id="rId12"/>
+    <p:sldId id="265" r:id="rId13"/>
+    <p:sldId id="266" r:id="rId14"/>
+    <p:sldId id="267" r:id="rId15"/>
+    <p:sldId id="268" r:id="rId16"/>
+    <p:sldId id="269" r:id="rId17"/>
   </p:sldIdLst>
   <p:sldSz cx="12192000" cy="6858000"/>
   <p:notesSz cx="6858000" cy="9144000"/>
@@ -4761,6 +4775,547 @@
 </p:sld>
 </file>
 
+<file path=ppt/slides/slide10.xml><?xml version="1.0" encoding="utf-8"?>
+<p:sld xmlns:a="http://schemas.openxmlformats.org/drawingml/2006/main" xmlns:r="http://schemas.openxmlformats.org/officeDocument/2006/relationships" xmlns:p="http://schemas.openxmlformats.org/presentationml/2006/main">
+  <p:cSld>
+    <p:spTree>
+      <p:nvGrpSpPr>
+        <p:cNvPr id="1" name=""/>
+        <p:cNvGrpSpPr/>
+        <p:nvPr/>
+      </p:nvGrpSpPr>
+      <p:grpSpPr/>
+      <p:pic>
+        <p:nvPicPr>
+          <p:cNvPr id="3" name="Picture 2" descr="feature-extractor"/>
+          <p:cNvPicPr>
+            <a:picLocks noChangeAspect="1"/>
+          </p:cNvPicPr>
+          <p:nvPr/>
+        </p:nvPicPr>
+        <p:blipFill>
+          <a:blip r:embed="rId1"/>
+          <a:stretch>
+            <a:fillRect/>
+          </a:stretch>
+        </p:blipFill>
+        <p:spPr>
+          <a:xfrm>
+            <a:off x="1192530" y="1017270"/>
+            <a:ext cx="6858000" cy="5067300"/>
+          </a:xfrm>
+          <a:prstGeom prst="rect">
+            <a:avLst/>
+          </a:prstGeom>
+        </p:spPr>
+      </p:pic>
+    </p:spTree>
+  </p:cSld>
+  <p:clrMapOvr>
+    <a:masterClrMapping/>
+  </p:clrMapOvr>
+</p:sld>
+</file>
+
+<file path=ppt/slides/slide11.xml><?xml version="1.0" encoding="utf-8"?>
+<p:sld xmlns:a="http://schemas.openxmlformats.org/drawingml/2006/main" xmlns:r="http://schemas.openxmlformats.org/officeDocument/2006/relationships" xmlns:p="http://schemas.openxmlformats.org/presentationml/2006/main">
+  <p:cSld>
+    <p:spTree>
+      <p:nvGrpSpPr>
+        <p:cNvPr id="1" name=""/>
+        <p:cNvGrpSpPr/>
+        <p:nvPr/>
+      </p:nvGrpSpPr>
+      <p:grpSpPr/>
+      <p:pic>
+        <p:nvPicPr>
+          <p:cNvPr id="2" name="Picture 1" descr="fusion-network"/>
+          <p:cNvPicPr>
+            <a:picLocks noChangeAspect="1"/>
+          </p:cNvPicPr>
+          <p:nvPr/>
+        </p:nvPicPr>
+        <p:blipFill>
+          <a:blip r:embed="rId1"/>
+          <a:stretch>
+            <a:fillRect/>
+          </a:stretch>
+        </p:blipFill>
+        <p:spPr>
+          <a:xfrm>
+            <a:off x="2075180" y="962025"/>
+            <a:ext cx="8458200" cy="4933950"/>
+          </a:xfrm>
+          <a:prstGeom prst="rect">
+            <a:avLst/>
+          </a:prstGeom>
+        </p:spPr>
+      </p:pic>
+    </p:spTree>
+  </p:cSld>
+  <p:clrMapOvr>
+    <a:masterClrMapping/>
+  </p:clrMapOvr>
+</p:sld>
+</file>
+
+<file path=ppt/slides/slide12.xml><?xml version="1.0" encoding="utf-8"?>
+<p:sld xmlns:a="http://schemas.openxmlformats.org/drawingml/2006/main" xmlns:r="http://schemas.openxmlformats.org/officeDocument/2006/relationships" xmlns:p="http://schemas.openxmlformats.org/presentationml/2006/main">
+  <p:cSld>
+    <p:spTree>
+      <p:nvGrpSpPr>
+        <p:cNvPr id="1" name=""/>
+        <p:cNvGrpSpPr/>
+        <p:nvPr/>
+      </p:nvGrpSpPr>
+      <p:grpSpPr/>
+      <p:pic>
+        <p:nvPicPr>
+          <p:cNvPr id="2" name="Picture 1" descr="box-encoding"/>
+          <p:cNvPicPr>
+            <a:picLocks noChangeAspect="1"/>
+          </p:cNvPicPr>
+          <p:nvPr/>
+        </p:nvPicPr>
+        <p:blipFill>
+          <a:blip r:embed="rId1"/>
+          <a:stretch>
+            <a:fillRect/>
+          </a:stretch>
+        </p:blipFill>
+        <p:spPr>
+          <a:xfrm>
+            <a:off x="1617980" y="1366520"/>
+            <a:ext cx="9324975" cy="4124325"/>
+          </a:xfrm>
+          <a:prstGeom prst="rect">
+            <a:avLst/>
+          </a:prstGeom>
+        </p:spPr>
+      </p:pic>
+    </p:spTree>
+  </p:cSld>
+  <p:clrMapOvr>
+    <a:masterClrMapping/>
+  </p:clrMapOvr>
+</p:sld>
+</file>
+
+<file path=ppt/slides/slide13.xml><?xml version="1.0" encoding="utf-8"?>
+<p:sld xmlns:a="http://schemas.openxmlformats.org/drawingml/2006/main" xmlns:r="http://schemas.openxmlformats.org/officeDocument/2006/relationships" xmlns:p="http://schemas.openxmlformats.org/presentationml/2006/main">
+  <p:cSld>
+    <p:spTree>
+      <p:nvGrpSpPr>
+        <p:cNvPr id="1" name=""/>
+        <p:cNvGrpSpPr/>
+        <p:nvPr/>
+      </p:nvGrpSpPr>
+      <p:grpSpPr/>
+      <p:pic>
+        <p:nvPicPr>
+          <p:cNvPr id="2" name="Picture 1" descr="euler"/>
+          <p:cNvPicPr>
+            <a:picLocks noChangeAspect="1"/>
+          </p:cNvPicPr>
+          <p:nvPr/>
+        </p:nvPicPr>
+        <p:blipFill>
+          <a:blip r:embed="rId1"/>
+          <a:stretch>
+            <a:fillRect/>
+          </a:stretch>
+        </p:blipFill>
+        <p:spPr>
+          <a:xfrm>
+            <a:off x="2124075" y="999490"/>
+            <a:ext cx="6463030" cy="4859655"/>
+          </a:xfrm>
+          <a:prstGeom prst="rect">
+            <a:avLst/>
+          </a:prstGeom>
+        </p:spPr>
+      </p:pic>
+    </p:spTree>
+  </p:cSld>
+  <p:clrMapOvr>
+    <a:masterClrMapping/>
+  </p:clrMapOvr>
+</p:sld>
+</file>
+
+<file path=ppt/slides/slide14.xml><?xml version="1.0" encoding="utf-8"?>
+<p:sld xmlns:a="http://schemas.openxmlformats.org/drawingml/2006/main" xmlns:r="http://schemas.openxmlformats.org/officeDocument/2006/relationships" xmlns:p="http://schemas.openxmlformats.org/presentationml/2006/main">
+  <p:cSld>
+    <p:spTree>
+      <p:nvGrpSpPr>
+        <p:cNvPr id="1" name=""/>
+        <p:cNvGrpSpPr/>
+        <p:nvPr/>
+      </p:nvGrpSpPr>
+      <p:grpSpPr/>
+    </p:spTree>
+  </p:cSld>
+  <p:clrMapOvr>
+    <a:masterClrMapping/>
+  </p:clrMapOvr>
+</p:sld>
+</file>
+
+<file path=ppt/slides/slide15.xml><?xml version="1.0" encoding="utf-8"?>
+<p:sld xmlns:a="http://schemas.openxmlformats.org/drawingml/2006/main" xmlns:r="http://schemas.openxmlformats.org/officeDocument/2006/relationships" xmlns:p="http://schemas.openxmlformats.org/presentationml/2006/main">
+  <p:cSld>
+    <p:spTree>
+      <p:nvGrpSpPr>
+        <p:cNvPr id="1" name=""/>
+        <p:cNvGrpSpPr/>
+        <p:nvPr/>
+      </p:nvGrpSpPr>
+      <p:grpSpPr/>
+    </p:spTree>
+  </p:cSld>
+  <p:clrMapOvr>
+    <a:masterClrMapping/>
+  </p:clrMapOvr>
+</p:sld>
+</file>
+
+<file path=ppt/slides/slide2.xml><?xml version="1.0" encoding="utf-8"?>
+<p:sld xmlns:a="http://schemas.openxmlformats.org/drawingml/2006/main" xmlns:r="http://schemas.openxmlformats.org/officeDocument/2006/relationships" xmlns:p="http://schemas.openxmlformats.org/presentationml/2006/main">
+  <p:cSld>
+    <p:spTree>
+      <p:nvGrpSpPr>
+        <p:cNvPr id="1" name=""/>
+        <p:cNvGrpSpPr/>
+        <p:nvPr/>
+      </p:nvGrpSpPr>
+      <p:grpSpPr/>
+      <p:pic>
+        <p:nvPicPr>
+          <p:cNvPr id="4" name="Picture 3" descr="fast-rcnn"/>
+          <p:cNvPicPr>
+            <a:picLocks noChangeAspect="1"/>
+          </p:cNvPicPr>
+          <p:nvPr/>
+        </p:nvPicPr>
+        <p:blipFill>
+          <a:blip r:embed="rId1"/>
+          <a:stretch>
+            <a:fillRect/>
+          </a:stretch>
+        </p:blipFill>
+        <p:spPr>
+          <a:xfrm>
+            <a:off x="872490" y="488950"/>
+            <a:ext cx="10058400" cy="3914775"/>
+          </a:xfrm>
+          <a:prstGeom prst="rect">
+            <a:avLst/>
+          </a:prstGeom>
+        </p:spPr>
+      </p:pic>
+    </p:spTree>
+  </p:cSld>
+  <p:clrMapOvr>
+    <a:masterClrMapping/>
+  </p:clrMapOvr>
+</p:sld>
+</file>
+
+<file path=ppt/slides/slide3.xml><?xml version="1.0" encoding="utf-8"?>
+<p:sld xmlns:a="http://schemas.openxmlformats.org/drawingml/2006/main" xmlns:r="http://schemas.openxmlformats.org/officeDocument/2006/relationships" xmlns:p="http://schemas.openxmlformats.org/presentationml/2006/main">
+  <p:cSld>
+    <p:spTree>
+      <p:nvGrpSpPr>
+        <p:cNvPr id="1" name=""/>
+        <p:cNvGrpSpPr/>
+        <p:nvPr/>
+      </p:nvGrpSpPr>
+      <p:grpSpPr/>
+      <p:pic>
+        <p:nvPicPr>
+          <p:cNvPr id="4" name="Picture 3" descr="fast-rcnn"/>
+          <p:cNvPicPr>
+            <a:picLocks noChangeAspect="1"/>
+          </p:cNvPicPr>
+          <p:nvPr/>
+        </p:nvPicPr>
+        <p:blipFill>
+          <a:blip r:embed="rId1"/>
+          <a:srcRect l="2651" t="3580" r="2300" b="1790"/>
+          <a:stretch>
+            <a:fillRect/>
+          </a:stretch>
+        </p:blipFill>
+        <p:spPr>
+          <a:xfrm>
+            <a:off x="52070" y="692150"/>
+            <a:ext cx="12129770" cy="4700270"/>
+          </a:xfrm>
+          <a:prstGeom prst="rect">
+            <a:avLst/>
+          </a:prstGeom>
+        </p:spPr>
+      </p:pic>
+    </p:spTree>
+  </p:cSld>
+  <p:clrMapOvr>
+    <a:masterClrMapping/>
+  </p:clrMapOvr>
+</p:sld>
+</file>
+
+<file path=ppt/slides/slide4.xml><?xml version="1.0" encoding="utf-8"?>
+<p:sld xmlns:a="http://schemas.openxmlformats.org/drawingml/2006/main" xmlns:r="http://schemas.openxmlformats.org/officeDocument/2006/relationships" xmlns:p="http://schemas.openxmlformats.org/presentationml/2006/main">
+  <p:cSld>
+    <p:spTree>
+      <p:nvGrpSpPr>
+        <p:cNvPr id="1" name=""/>
+        <p:cNvGrpSpPr/>
+        <p:nvPr/>
+      </p:nvGrpSpPr>
+      <p:grpSpPr/>
+      <p:pic>
+        <p:nvPicPr>
+          <p:cNvPr id="2" name="Picture 1" descr="rpn"/>
+          <p:cNvPicPr>
+            <a:picLocks noChangeAspect="1"/>
+          </p:cNvPicPr>
+          <p:nvPr/>
+        </p:nvPicPr>
+        <p:blipFill>
+          <a:blip r:embed="rId1"/>
+          <a:stretch>
+            <a:fillRect/>
+          </a:stretch>
+        </p:blipFill>
+        <p:spPr>
+          <a:xfrm>
+            <a:off x="1495425" y="747395"/>
+            <a:ext cx="9201150" cy="5362575"/>
+          </a:xfrm>
+          <a:prstGeom prst="rect">
+            <a:avLst/>
+          </a:prstGeom>
+        </p:spPr>
+      </p:pic>
+    </p:spTree>
+  </p:cSld>
+  <p:clrMapOvr>
+    <a:masterClrMapping/>
+  </p:clrMapOvr>
+</p:sld>
+</file>
+
+<file path=ppt/slides/slide5.xml><?xml version="1.0" encoding="utf-8"?>
+<p:sld xmlns:a="http://schemas.openxmlformats.org/drawingml/2006/main" xmlns:r="http://schemas.openxmlformats.org/officeDocument/2006/relationships" xmlns:p="http://schemas.openxmlformats.org/presentationml/2006/main">
+  <p:cSld>
+    <p:spTree>
+      <p:nvGrpSpPr>
+        <p:cNvPr id="1" name=""/>
+        <p:cNvGrpSpPr/>
+        <p:nvPr/>
+      </p:nvGrpSpPr>
+      <p:grpSpPr/>
+      <p:pic>
+        <p:nvPicPr>
+          <p:cNvPr id="2" name="Picture 1" descr="faster-rcnn"/>
+          <p:cNvPicPr>
+            <a:picLocks noChangeAspect="1"/>
+          </p:cNvPicPr>
+          <p:nvPr/>
+        </p:nvPicPr>
+        <p:blipFill>
+          <a:blip r:embed="rId1"/>
+          <a:stretch>
+            <a:fillRect/>
+          </a:stretch>
+        </p:blipFill>
+        <p:spPr>
+          <a:xfrm>
+            <a:off x="963930" y="202565"/>
+            <a:ext cx="6420485" cy="6452870"/>
+          </a:xfrm>
+          <a:prstGeom prst="rect">
+            <a:avLst/>
+          </a:prstGeom>
+        </p:spPr>
+      </p:pic>
+    </p:spTree>
+  </p:cSld>
+  <p:clrMapOvr>
+    <a:masterClrMapping/>
+  </p:clrMapOvr>
+</p:sld>
+</file>
+
+<file path=ppt/slides/slide6.xml><?xml version="1.0" encoding="utf-8"?>
+<p:sld xmlns:a="http://schemas.openxmlformats.org/drawingml/2006/main" xmlns:r="http://schemas.openxmlformats.org/officeDocument/2006/relationships" xmlns:p="http://schemas.openxmlformats.org/presentationml/2006/main">
+  <p:cSld>
+    <p:spTree>
+      <p:nvGrpSpPr>
+        <p:cNvPr id="1" name=""/>
+        <p:cNvGrpSpPr/>
+        <p:nvPr/>
+      </p:nvGrpSpPr>
+      <p:grpSpPr/>
+      <p:pic>
+        <p:nvPicPr>
+          <p:cNvPr id="2" name="Picture 1" descr="avod"/>
+          <p:cNvPicPr>
+            <a:picLocks noChangeAspect="1"/>
+          </p:cNvPicPr>
+          <p:nvPr/>
+        </p:nvPicPr>
+        <p:blipFill>
+          <a:blip r:embed="rId1"/>
+          <a:stretch>
+            <a:fillRect/>
+          </a:stretch>
+        </p:blipFill>
+        <p:spPr>
+          <a:xfrm>
+            <a:off x="104775" y="1180465"/>
+            <a:ext cx="11982450" cy="4175125"/>
+          </a:xfrm>
+          <a:prstGeom prst="rect">
+            <a:avLst/>
+          </a:prstGeom>
+        </p:spPr>
+      </p:pic>
+    </p:spTree>
+  </p:cSld>
+  <p:clrMapOvr>
+    <a:masterClrMapping/>
+  </p:clrMapOvr>
+</p:sld>
+</file>
+
+<file path=ppt/slides/slide7.xml><?xml version="1.0" encoding="utf-8"?>
+<p:sld xmlns:a="http://schemas.openxmlformats.org/drawingml/2006/main" xmlns:r="http://schemas.openxmlformats.org/officeDocument/2006/relationships" xmlns:p="http://schemas.openxmlformats.org/presentationml/2006/main">
+  <p:cSld>
+    <p:spTree>
+      <p:nvGrpSpPr>
+        <p:cNvPr id="1" name=""/>
+        <p:cNvGrpSpPr/>
+        <p:nvPr/>
+      </p:nvGrpSpPr>
+      <p:grpSpPr/>
+      <p:pic>
+        <p:nvPicPr>
+          <p:cNvPr id="2" name="Picture 1" descr="spp-net"/>
+          <p:cNvPicPr>
+            <a:picLocks noChangeAspect="1"/>
+          </p:cNvPicPr>
+          <p:nvPr/>
+        </p:nvPicPr>
+        <p:blipFill>
+          <a:blip r:embed="rId1"/>
+          <a:stretch>
+            <a:fillRect/>
+          </a:stretch>
+        </p:blipFill>
+        <p:spPr>
+          <a:xfrm>
+            <a:off x="767715" y="5080"/>
+            <a:ext cx="10058400" cy="6487160"/>
+          </a:xfrm>
+          <a:prstGeom prst="rect">
+            <a:avLst/>
+          </a:prstGeom>
+        </p:spPr>
+      </p:pic>
+    </p:spTree>
+  </p:cSld>
+  <p:clrMapOvr>
+    <a:masterClrMapping/>
+  </p:clrMapOvr>
+</p:sld>
+</file>
+
+<file path=ppt/slides/slide8.xml><?xml version="1.0" encoding="utf-8"?>
+<p:sld xmlns:a="http://schemas.openxmlformats.org/drawingml/2006/main" xmlns:r="http://schemas.openxmlformats.org/officeDocument/2006/relationships" xmlns:p="http://schemas.openxmlformats.org/presentationml/2006/main">
+  <p:cSld>
+    <p:spTree>
+      <p:nvGrpSpPr>
+        <p:cNvPr id="1" name=""/>
+        <p:cNvGrpSpPr/>
+        <p:nvPr/>
+      </p:nvGrpSpPr>
+      <p:grpSpPr/>
+      <p:pic>
+        <p:nvPicPr>
+          <p:cNvPr id="3" name="Picture 2" descr="yolo"/>
+          <p:cNvPicPr>
+            <a:picLocks noChangeAspect="1"/>
+          </p:cNvPicPr>
+          <p:nvPr/>
+        </p:nvPicPr>
+        <p:blipFill>
+          <a:blip r:embed="rId1"/>
+          <a:stretch>
+            <a:fillRect/>
+          </a:stretch>
+        </p:blipFill>
+        <p:spPr>
+          <a:xfrm>
+            <a:off x="1258570" y="936625"/>
+            <a:ext cx="10058400" cy="5347335"/>
+          </a:xfrm>
+          <a:prstGeom prst="rect">
+            <a:avLst/>
+          </a:prstGeom>
+        </p:spPr>
+      </p:pic>
+    </p:spTree>
+  </p:cSld>
+  <p:clrMapOvr>
+    <a:masterClrMapping/>
+  </p:clrMapOvr>
+</p:sld>
+</file>
+
+<file path=ppt/slides/slide9.xml><?xml version="1.0" encoding="utf-8"?>
+<p:sld xmlns:a="http://schemas.openxmlformats.org/drawingml/2006/main" xmlns:r="http://schemas.openxmlformats.org/officeDocument/2006/relationships" xmlns:p="http://schemas.openxmlformats.org/presentationml/2006/main">
+  <p:cSld>
+    <p:spTree>
+      <p:nvGrpSpPr>
+        <p:cNvPr id="1" name=""/>
+        <p:cNvGrpSpPr/>
+        <p:nvPr/>
+      </p:nvGrpSpPr>
+      <p:grpSpPr/>
+      <p:pic>
+        <p:nvPicPr>
+          <p:cNvPr id="2" name="Picture 1" descr="sot_pipeline"/>
+          <p:cNvPicPr>
+            <a:picLocks noChangeAspect="1"/>
+          </p:cNvPicPr>
+          <p:nvPr/>
+        </p:nvPicPr>
+        <p:blipFill>
+          <a:blip r:embed="rId1"/>
+          <a:stretch>
+            <a:fillRect/>
+          </a:stretch>
+        </p:blipFill>
+        <p:spPr>
+          <a:xfrm>
+            <a:off x="572135" y="1066800"/>
+            <a:ext cx="10057765" cy="1658620"/>
+          </a:xfrm>
+          <a:prstGeom prst="rect">
+            <a:avLst/>
+          </a:prstGeom>
+        </p:spPr>
+      </p:pic>
+    </p:spTree>
+  </p:cSld>
+  <p:clrMapOvr>
+    <a:masterClrMapping/>
+  </p:clrMapOvr>
+</p:sld>
+</file>
+
 <file path=ppt/theme/theme1.xml><?xml version="1.0" encoding="utf-8"?>
 <a:theme xmlns:a="http://schemas.openxmlformats.org/drawingml/2006/main" name="Office 主题">
   <a:themeElements>
